--- a/BankChurner_Seul Lee.pptx
+++ b/BankChurner_Seul Lee.pptx
@@ -3341,7 +3341,7 @@
           <p:cNvPr id="0" name="slide1">
             <a:extLst>
               <a:ext uri="{FF2B5EF4-FFF2-40B4-BE49-F238E27FC236}">
-                <a16:creationId xmlns:a16="http://schemas.microsoft.com/office/drawing/2014/main" id="{CCB3B6B7-9637-4BD8-A784-934E97A07839}"/>
+                <a16:creationId xmlns:a16="http://schemas.microsoft.com/office/drawing/2014/main" id="{4BA180E7-90D5-4349-AA0F-B1D8D8D779E8}"/>
               </a:ext>
             </a:extLst>
           </p:cNvPr>
@@ -3371,7 +3371,7 @@
           <p:cNvPr id="1" name="slide1">
             <a:extLst>
               <a:ext uri="{FF2B5EF4-FFF2-40B4-BE49-F238E27FC236}">
-                <a16:creationId xmlns:a16="http://schemas.microsoft.com/office/drawing/2014/main" id="{36A53176-058D-4D6E-99EC-A529A90D4F8F}"/>
+                <a16:creationId xmlns:a16="http://schemas.microsoft.com/office/drawing/2014/main" id="{D28B0134-A774-4B66-BC2E-8B772CAF47ED}"/>
               </a:ext>
             </a:extLst>
           </p:cNvPr>
@@ -3389,7 +3389,7 @@
           <a:p>
             <a:r>
               <a:rPr/>
-              <a:t>File created on: 11/9/2021 7:05:18 AM</a:t>
+              <a:t>File created on: 11/14/2021 7:22:15 AM</a:t>
             </a:r>
           </a:p>
         </p:txBody>
@@ -3429,7 +3429,7 @@
           <p:cNvPr descr="Bank Churner14" id="10" name="slide10">
             <a:extLst>
               <a:ext uri="{FF2B5EF4-FFF2-40B4-BE49-F238E27FC236}">
-                <a16:creationId xmlns:a16="http://schemas.microsoft.com/office/drawing/2014/main" id="{5CAEC449-4BFF-4D79-976B-B088578F1874}"/>
+                <a16:creationId xmlns:a16="http://schemas.microsoft.com/office/drawing/2014/main" id="{A0512D13-3430-4915-8578-229E988707C4}"/>
               </a:ext>
             </a:extLst>
           </p:cNvPr>
@@ -3495,7 +3495,7 @@
           <p:cNvPr descr="Bank Churner16" id="11" name="slide11">
             <a:extLst>
               <a:ext uri="{FF2B5EF4-FFF2-40B4-BE49-F238E27FC236}">
-                <a16:creationId xmlns:a16="http://schemas.microsoft.com/office/drawing/2014/main" id="{461E4A23-DC91-4B63-A30C-7C27B635A3C6}"/>
+                <a16:creationId xmlns:a16="http://schemas.microsoft.com/office/drawing/2014/main" id="{682A7D3F-15AD-4823-9F53-27A074217ECB}"/>
               </a:ext>
             </a:extLst>
           </p:cNvPr>
@@ -3561,7 +3561,7 @@
           <p:cNvPr descr="Bank Churner17" id="12" name="slide12">
             <a:extLst>
               <a:ext uri="{FF2B5EF4-FFF2-40B4-BE49-F238E27FC236}">
-                <a16:creationId xmlns:a16="http://schemas.microsoft.com/office/drawing/2014/main" id="{05F559FF-475D-4373-BCC5-CDD531C3F4BA}"/>
+                <a16:creationId xmlns:a16="http://schemas.microsoft.com/office/drawing/2014/main" id="{EF3787D4-AACB-44B8-A86D-0D0330BD96B8}"/>
               </a:ext>
             </a:extLst>
           </p:cNvPr>
@@ -3627,7 +3627,7 @@
           <p:cNvPr descr="Bank Churner18" id="13" name="slide13">
             <a:extLst>
               <a:ext uri="{FF2B5EF4-FFF2-40B4-BE49-F238E27FC236}">
-                <a16:creationId xmlns:a16="http://schemas.microsoft.com/office/drawing/2014/main" id="{681A48DA-6872-47F0-B0B1-588986395A47}"/>
+                <a16:creationId xmlns:a16="http://schemas.microsoft.com/office/drawing/2014/main" id="{747A0119-2AE5-4929-A1DA-808A004E2E1A}"/>
               </a:ext>
             </a:extLst>
           </p:cNvPr>
@@ -3693,7 +3693,7 @@
           <p:cNvPr descr="Bank Churner22" id="14" name="slide14">
             <a:extLst>
               <a:ext uri="{FF2B5EF4-FFF2-40B4-BE49-F238E27FC236}">
-                <a16:creationId xmlns:a16="http://schemas.microsoft.com/office/drawing/2014/main" id="{E2078EFB-9AA8-4FC9-A109-9B6D3737832B}"/>
+                <a16:creationId xmlns:a16="http://schemas.microsoft.com/office/drawing/2014/main" id="{953B08EA-25F9-4EA3-A24D-5FE7D35E3997}"/>
               </a:ext>
             </a:extLst>
           </p:cNvPr>
@@ -3759,7 +3759,7 @@
           <p:cNvPr descr="Bank Churner23" id="15" name="slide15">
             <a:extLst>
               <a:ext uri="{FF2B5EF4-FFF2-40B4-BE49-F238E27FC236}">
-                <a16:creationId xmlns:a16="http://schemas.microsoft.com/office/drawing/2014/main" id="{1FA19593-6232-40CC-A1CF-B93F330A196C}"/>
+                <a16:creationId xmlns:a16="http://schemas.microsoft.com/office/drawing/2014/main" id="{087ABD2D-0F07-4033-934B-E8A62BC2F89E}"/>
               </a:ext>
             </a:extLst>
           </p:cNvPr>
@@ -3822,10 +3822,10 @@
       </p:grpSpPr>
       <p:pic>
         <p:nvPicPr>
-          <p:cNvPr descr="Bank Churner25" id="16" name="slide16">
-            <a:extLst>
-              <a:ext uri="{FF2B5EF4-FFF2-40B4-BE49-F238E27FC236}">
-                <a16:creationId xmlns:a16="http://schemas.microsoft.com/office/drawing/2014/main" id="{02E4C92C-A572-4BD3-9636-46DEDE0CAF74}"/>
+          <p:cNvPr descr="Bank Churner27" id="16" name="slide16">
+            <a:extLst>
+              <a:ext uri="{FF2B5EF4-FFF2-40B4-BE49-F238E27FC236}">
+                <a16:creationId xmlns:a16="http://schemas.microsoft.com/office/drawing/2014/main" id="{4DFBB8D0-62C7-47EC-9EBA-FAE28D396F62}"/>
               </a:ext>
             </a:extLst>
           </p:cNvPr>
@@ -3891,7 +3891,7 @@
           <p:cNvPr descr="Bank Churner1" id="2" name="slide2">
             <a:extLst>
               <a:ext uri="{FF2B5EF4-FFF2-40B4-BE49-F238E27FC236}">
-                <a16:creationId xmlns:a16="http://schemas.microsoft.com/office/drawing/2014/main" id="{C872F7E2-13DF-4C1A-8E0B-C1FE02C00D98}"/>
+                <a16:creationId xmlns:a16="http://schemas.microsoft.com/office/drawing/2014/main" id="{BC0208B4-11AF-4939-BACB-754BE683F534}"/>
               </a:ext>
             </a:extLst>
           </p:cNvPr>
@@ -3957,7 +3957,7 @@
           <p:cNvPr descr="Bank Churner21" id="3" name="slide3">
             <a:extLst>
               <a:ext uri="{FF2B5EF4-FFF2-40B4-BE49-F238E27FC236}">
-                <a16:creationId xmlns:a16="http://schemas.microsoft.com/office/drawing/2014/main" id="{2C6AB651-E185-4DE0-A851-E270BBE254CA}"/>
+                <a16:creationId xmlns:a16="http://schemas.microsoft.com/office/drawing/2014/main" id="{CA016831-CDC9-445C-807B-3A3D61D980C1}"/>
               </a:ext>
             </a:extLst>
           </p:cNvPr>
@@ -4023,7 +4023,7 @@
           <p:cNvPr descr="Bank Churner3" id="4" name="slide4">
             <a:extLst>
               <a:ext uri="{FF2B5EF4-FFF2-40B4-BE49-F238E27FC236}">
-                <a16:creationId xmlns:a16="http://schemas.microsoft.com/office/drawing/2014/main" id="{D7F9E459-363C-4FE9-9653-C8DDBE4DC316}"/>
+                <a16:creationId xmlns:a16="http://schemas.microsoft.com/office/drawing/2014/main" id="{B17F32F2-B923-4760-A142-462F8BD06848}"/>
               </a:ext>
             </a:extLst>
           </p:cNvPr>
@@ -4089,7 +4089,7 @@
           <p:cNvPr descr="Bank Churner10" id="5" name="slide5">
             <a:extLst>
               <a:ext uri="{FF2B5EF4-FFF2-40B4-BE49-F238E27FC236}">
-                <a16:creationId xmlns:a16="http://schemas.microsoft.com/office/drawing/2014/main" id="{92122C8A-A549-4AEF-B3B3-8F0923A1704E}"/>
+                <a16:creationId xmlns:a16="http://schemas.microsoft.com/office/drawing/2014/main" id="{C9DA3BD8-8807-4B17-83EC-EEF8486C6C00}"/>
               </a:ext>
             </a:extLst>
           </p:cNvPr>
@@ -4155,7 +4155,7 @@
           <p:cNvPr descr="Bank Churner11" id="6" name="slide6">
             <a:extLst>
               <a:ext uri="{FF2B5EF4-FFF2-40B4-BE49-F238E27FC236}">
-                <a16:creationId xmlns:a16="http://schemas.microsoft.com/office/drawing/2014/main" id="{13C644D0-3F4E-4627-917F-2290DEA1A3D6}"/>
+                <a16:creationId xmlns:a16="http://schemas.microsoft.com/office/drawing/2014/main" id="{93B5CB70-EE26-48D6-84EF-141402C7CB34}"/>
               </a:ext>
             </a:extLst>
           </p:cNvPr>
@@ -4221,7 +4221,7 @@
           <p:cNvPr descr="Bank Churner12" id="7" name="slide7">
             <a:extLst>
               <a:ext uri="{FF2B5EF4-FFF2-40B4-BE49-F238E27FC236}">
-                <a16:creationId xmlns:a16="http://schemas.microsoft.com/office/drawing/2014/main" id="{0C883580-8286-4AD8-B144-85E85628F884}"/>
+                <a16:creationId xmlns:a16="http://schemas.microsoft.com/office/drawing/2014/main" id="{79B973C0-678F-4BC4-85C0-49A6C9DE688D}"/>
               </a:ext>
             </a:extLst>
           </p:cNvPr>
@@ -4287,7 +4287,7 @@
           <p:cNvPr descr="Bank Churner13" id="8" name="slide8">
             <a:extLst>
               <a:ext uri="{FF2B5EF4-FFF2-40B4-BE49-F238E27FC236}">
-                <a16:creationId xmlns:a16="http://schemas.microsoft.com/office/drawing/2014/main" id="{7211192C-A577-4F94-A778-4DF0CE75B900}"/>
+                <a16:creationId xmlns:a16="http://schemas.microsoft.com/office/drawing/2014/main" id="{5CCBFB9B-FDA0-4243-A6E0-B507A686E30E}"/>
               </a:ext>
             </a:extLst>
           </p:cNvPr>
@@ -4353,7 +4353,7 @@
           <p:cNvPr descr="Bank Churner24" id="9" name="slide9">
             <a:extLst>
               <a:ext uri="{FF2B5EF4-FFF2-40B4-BE49-F238E27FC236}">
-                <a16:creationId xmlns:a16="http://schemas.microsoft.com/office/drawing/2014/main" id="{5BB4FCF4-D4D4-43AB-8CC6-9D24C30AD983}"/>
+                <a16:creationId xmlns:a16="http://schemas.microsoft.com/office/drawing/2014/main" id="{60D15DCD-FCAA-42DB-AABE-254B8AA20589}"/>
               </a:ext>
             </a:extLst>
           </p:cNvPr>
